--- a/week-5.pptx
+++ b/week-5.pptx
@@ -37,6 +37,15 @@
     <p:sldId id="282" r:id="rId34"/>
     <p:sldId id="283" r:id="rId35"/>
     <p:sldId id="284" r:id="rId36"/>
+    <p:sldId id="285" r:id="rId37"/>
+    <p:sldId id="286" r:id="rId38"/>
+    <p:sldId id="287" r:id="rId39"/>
+    <p:sldId id="288" r:id="rId40"/>
+    <p:sldId id="289" r:id="rId41"/>
+    <p:sldId id="290" r:id="rId42"/>
+    <p:sldId id="291" r:id="rId43"/>
+    <p:sldId id="292" r:id="rId44"/>
+    <p:sldId id="293" r:id="rId45"/>
   </p:sldIdLst>
   <p:sldSz cx="13004800" cy="9753600"/>
   <p:notesSz cx="6858000" cy="9144000"/>
@@ -5052,6 +5061,740 @@
 </p:sld>
 </file>
 
+<file path=ppt/slides/slide30.xml><?xml version="1.0" encoding="utf-8"?>
+<p:sld xmlns:a="http://schemas.openxmlformats.org/drawingml/2006/main" xmlns:r="http://schemas.openxmlformats.org/officeDocument/2006/relationships" xmlns:p="http://schemas.openxmlformats.org/presentationml/2006/main" showMasterSp="1" showMasterPhAnim="1">
+  <p:cSld>
+    <p:spTree>
+      <p:nvGrpSpPr>
+        <p:cNvPr id="1" name=""/>
+        <p:cNvGrpSpPr/>
+        <p:nvPr/>
+      </p:nvGrpSpPr>
+      <p:grpSpPr>
+        <a:xfrm>
+          <a:off x="0" y="0"/>
+          <a:ext cx="0" cy="0"/>
+          <a:chOff x="0" y="0"/>
+          <a:chExt cx="0" cy="0"/>
+        </a:xfrm>
+      </p:grpSpPr>
+      <p:sp>
+        <p:nvSpPr>
+          <p:cNvPr id="217" name="Shape 217"/>
+          <p:cNvSpPr/>
+          <p:nvPr>
+            <p:ph type="title"/>
+          </p:nvPr>
+        </p:nvSpPr>
+        <p:spPr>
+          <a:prstGeom prst="rect">
+            <a:avLst/>
+          </a:prstGeom>
+        </p:spPr>
+        <p:txBody>
+          <a:bodyPr/>
+          <a:lstStyle/>
+          <a:p>
+            <a:pPr/>
+            <a:r>
+              <a:t>Relationship</a:t>
+            </a:r>
+          </a:p>
+        </p:txBody>
+      </p:sp>
+      <p:sp>
+        <p:nvSpPr>
+          <p:cNvPr id="218" name="Shape 218"/>
+          <p:cNvSpPr/>
+          <p:nvPr>
+            <p:ph type="body" idx="1"/>
+          </p:nvPr>
+        </p:nvSpPr>
+        <p:spPr>
+          <a:prstGeom prst="rect">
+            <a:avLst/>
+          </a:prstGeom>
+        </p:spPr>
+        <p:txBody>
+          <a:bodyPr/>
+          <a:lstStyle/>
+          <a:p>
+            <a:pPr/>
+            <a:r>
+              <a:t>one to one</a:t>
+            </a:r>
+          </a:p>
+          <a:p>
+            <a:pPr/>
+            <a:r>
+              <a:t>one to many</a:t>
+            </a:r>
+          </a:p>
+          <a:p>
+            <a:pPr/>
+            <a:r>
+              <a:t>many to many</a:t>
+            </a:r>
+          </a:p>
+        </p:txBody>
+      </p:sp>
+    </p:spTree>
+  </p:cSld>
+  <p:clrMapOvr>
+    <a:masterClrMapping/>
+  </p:clrMapOvr>
+  <p:transition xmlns:p14="http://schemas.microsoft.com/office/powerpoint/2010/main" spd="med" advClick="1" p14:dur="1000"/>
+</p:sld>
+</file>
+
+<file path=ppt/slides/slide31.xml><?xml version="1.0" encoding="utf-8"?>
+<p:sld xmlns:a="http://schemas.openxmlformats.org/drawingml/2006/main" xmlns:r="http://schemas.openxmlformats.org/officeDocument/2006/relationships" xmlns:p="http://schemas.openxmlformats.org/presentationml/2006/main" showMasterSp="1" showMasterPhAnim="1">
+  <p:cSld>
+    <p:spTree>
+      <p:nvGrpSpPr>
+        <p:cNvPr id="1" name=""/>
+        <p:cNvGrpSpPr/>
+        <p:nvPr/>
+      </p:nvGrpSpPr>
+      <p:grpSpPr>
+        <a:xfrm>
+          <a:off x="0" y="0"/>
+          <a:ext cx="0" cy="0"/>
+          <a:chOff x="0" y="0"/>
+          <a:chExt cx="0" cy="0"/>
+        </a:xfrm>
+      </p:grpSpPr>
+      <p:sp>
+        <p:nvSpPr>
+          <p:cNvPr id="220" name="Shape 220"/>
+          <p:cNvSpPr/>
+          <p:nvPr>
+            <p:ph type="title"/>
+          </p:nvPr>
+        </p:nvSpPr>
+        <p:spPr>
+          <a:prstGeom prst="rect">
+            <a:avLst/>
+          </a:prstGeom>
+        </p:spPr>
+        <p:txBody>
+          <a:bodyPr/>
+          <a:lstStyle/>
+          <a:p>
+            <a:pPr/>
+            <a:r>
+              <a:t>One to one</a:t>
+            </a:r>
+          </a:p>
+        </p:txBody>
+      </p:sp>
+      <p:sp>
+        <p:nvSpPr>
+          <p:cNvPr id="221" name="Shape 221"/>
+          <p:cNvSpPr/>
+          <p:nvPr>
+            <p:ph type="body" idx="1"/>
+          </p:nvPr>
+        </p:nvSpPr>
+        <p:spPr>
+          <a:xfrm>
+            <a:off x="685800" y="2336800"/>
+            <a:ext cx="11099800" cy="6286500"/>
+          </a:xfrm>
+          <a:prstGeom prst="rect">
+            <a:avLst/>
+          </a:prstGeom>
+        </p:spPr>
+        <p:txBody>
+          <a:bodyPr/>
+          <a:lstStyle/>
+          <a:p>
+            <a:pPr/>
+            <a:r>
+              <a:t>The simplest kind of relationship is a one-to-one relationship. Best example to produce is a person holding a tin number, sss, philhealth</a:t>
+            </a:r>
+          </a:p>
+        </p:txBody>
+      </p:sp>
+    </p:spTree>
+  </p:cSld>
+  <p:clrMapOvr>
+    <a:masterClrMapping/>
+  </p:clrMapOvr>
+  <p:transition xmlns:p14="http://schemas.microsoft.com/office/powerpoint/2010/main" spd="med" advClick="1" p14:dur="1000"/>
+</p:sld>
+</file>
+
+<file path=ppt/slides/slide32.xml><?xml version="1.0" encoding="utf-8"?>
+<p:sld xmlns:a="http://schemas.openxmlformats.org/drawingml/2006/main" xmlns:r="http://schemas.openxmlformats.org/officeDocument/2006/relationships" xmlns:p="http://schemas.openxmlformats.org/presentationml/2006/main" showMasterSp="1" showMasterPhAnim="1">
+  <p:cSld>
+    <p:spTree>
+      <p:nvGrpSpPr>
+        <p:cNvPr id="1" name=""/>
+        <p:cNvGrpSpPr/>
+        <p:nvPr/>
+      </p:nvGrpSpPr>
+      <p:grpSpPr>
+        <a:xfrm>
+          <a:off x="0" y="0"/>
+          <a:ext cx="0" cy="0"/>
+          <a:chOff x="0" y="0"/>
+          <a:chExt cx="0" cy="0"/>
+        </a:xfrm>
+      </p:grpSpPr>
+      <p:sp>
+        <p:nvSpPr>
+          <p:cNvPr id="223" name="Shape 223"/>
+          <p:cNvSpPr/>
+          <p:nvPr>
+            <p:ph type="title"/>
+          </p:nvPr>
+        </p:nvSpPr>
+        <p:spPr>
+          <a:prstGeom prst="rect">
+            <a:avLst/>
+          </a:prstGeom>
+        </p:spPr>
+        <p:txBody>
+          <a:bodyPr/>
+          <a:lstStyle/>
+          <a:p>
+            <a:pPr/>
+            <a:r>
+              <a:t>One to Many</a:t>
+            </a:r>
+          </a:p>
+        </p:txBody>
+      </p:sp>
+      <p:sp>
+        <p:nvSpPr>
+          <p:cNvPr id="224" name="Shape 224"/>
+          <p:cNvSpPr/>
+          <p:nvPr>
+            <p:ph type="body" idx="1"/>
+          </p:nvPr>
+        </p:nvSpPr>
+        <p:spPr>
+          <a:prstGeom prst="rect">
+            <a:avLst/>
+          </a:prstGeom>
+        </p:spPr>
+        <p:txBody>
+          <a:bodyPr/>
+          <a:lstStyle/>
+          <a:p>
+            <a:pPr/>
+            <a:r>
+              <a:t>Best example to produce is an employee that have many position history in the company</a:t>
+            </a:r>
+          </a:p>
+        </p:txBody>
+      </p:sp>
+    </p:spTree>
+  </p:cSld>
+  <p:clrMapOvr>
+    <a:masterClrMapping/>
+  </p:clrMapOvr>
+  <p:transition xmlns:p14="http://schemas.microsoft.com/office/powerpoint/2010/main" spd="med" advClick="1" p14:dur="1000"/>
+</p:sld>
+</file>
+
+<file path=ppt/slides/slide33.xml><?xml version="1.0" encoding="utf-8"?>
+<p:sld xmlns:a="http://schemas.openxmlformats.org/drawingml/2006/main" xmlns:r="http://schemas.openxmlformats.org/officeDocument/2006/relationships" xmlns:p="http://schemas.openxmlformats.org/presentationml/2006/main" showMasterSp="1" showMasterPhAnim="1">
+  <p:cSld>
+    <p:spTree>
+      <p:nvGrpSpPr>
+        <p:cNvPr id="1" name=""/>
+        <p:cNvGrpSpPr/>
+        <p:nvPr/>
+      </p:nvGrpSpPr>
+      <p:grpSpPr>
+        <a:xfrm>
+          <a:off x="0" y="0"/>
+          <a:ext cx="0" cy="0"/>
+          <a:chOff x="0" y="0"/>
+          <a:chExt cx="0" cy="0"/>
+        </a:xfrm>
+      </p:grpSpPr>
+      <p:sp>
+        <p:nvSpPr>
+          <p:cNvPr id="226" name="Shape 226"/>
+          <p:cNvSpPr/>
+          <p:nvPr>
+            <p:ph type="title"/>
+          </p:nvPr>
+        </p:nvSpPr>
+        <p:spPr>
+          <a:prstGeom prst="rect">
+            <a:avLst/>
+          </a:prstGeom>
+        </p:spPr>
+        <p:txBody>
+          <a:bodyPr/>
+          <a:lstStyle/>
+          <a:p>
+            <a:pPr/>
+            <a:r>
+              <a:t>Many to Many</a:t>
+            </a:r>
+          </a:p>
+        </p:txBody>
+      </p:sp>
+      <p:sp>
+        <p:nvSpPr>
+          <p:cNvPr id="227" name="Shape 227"/>
+          <p:cNvSpPr/>
+          <p:nvPr>
+            <p:ph type="body" idx="1"/>
+          </p:nvPr>
+        </p:nvSpPr>
+        <p:spPr>
+          <a:prstGeom prst="rect">
+            <a:avLst/>
+          </a:prstGeom>
+        </p:spPr>
+        <p:txBody>
+          <a:bodyPr/>
+          <a:lstStyle/>
+          <a:p>
+            <a:pPr/>
+            <a:r>
+              <a:t>Many to Many is mostly like use for creating transactional procedures.</a:t>
+            </a:r>
+          </a:p>
+          <a:p>
+            <a:pPr/>
+            <a:r>
+              <a:t>Example is a POS counter, you have a transaction number, you have products, and in order to record products purchased in one transcation, you need to create another table linking to both of those.</a:t>
+            </a:r>
+          </a:p>
+        </p:txBody>
+      </p:sp>
+    </p:spTree>
+  </p:cSld>
+  <p:clrMapOvr>
+    <a:masterClrMapping/>
+  </p:clrMapOvr>
+  <p:transition xmlns:p14="http://schemas.microsoft.com/office/powerpoint/2010/main" spd="med" advClick="1" p14:dur="1000"/>
+</p:sld>
+</file>
+
+<file path=ppt/slides/slide34.xml><?xml version="1.0" encoding="utf-8"?>
+<p:sld xmlns:a="http://schemas.openxmlformats.org/drawingml/2006/main" xmlns:r="http://schemas.openxmlformats.org/officeDocument/2006/relationships" xmlns:p="http://schemas.openxmlformats.org/presentationml/2006/main" showMasterSp="1" showMasterPhAnim="1">
+  <p:cSld>
+    <p:spTree>
+      <p:nvGrpSpPr>
+        <p:cNvPr id="1" name=""/>
+        <p:cNvGrpSpPr/>
+        <p:nvPr/>
+      </p:nvGrpSpPr>
+      <p:grpSpPr>
+        <a:xfrm>
+          <a:off x="0" y="0"/>
+          <a:ext cx="0" cy="0"/>
+          <a:chOff x="0" y="0"/>
+          <a:chExt cx="0" cy="0"/>
+        </a:xfrm>
+      </p:grpSpPr>
+      <p:sp>
+        <p:nvSpPr>
+          <p:cNvPr id="229" name="Shape 229"/>
+          <p:cNvSpPr/>
+          <p:nvPr>
+            <p:ph type="title"/>
+          </p:nvPr>
+        </p:nvSpPr>
+        <p:spPr>
+          <a:prstGeom prst="rect">
+            <a:avLst/>
+          </a:prstGeom>
+        </p:spPr>
+        <p:txBody>
+          <a:bodyPr/>
+          <a:lstStyle>
+            <a:lvl1pPr defTabSz="578358">
+              <a:defRPr sz="7919"/>
+            </a:lvl1pPr>
+          </a:lstStyle>
+          <a:p>
+            <a:pPr/>
+            <a:r>
+              <a:t>Frameworks vs Libraries</a:t>
+            </a:r>
+          </a:p>
+        </p:txBody>
+      </p:sp>
+      <p:sp>
+        <p:nvSpPr>
+          <p:cNvPr id="230" name="Shape 230"/>
+          <p:cNvSpPr/>
+          <p:nvPr>
+            <p:ph type="body" idx="1"/>
+          </p:nvPr>
+        </p:nvSpPr>
+        <p:spPr>
+          <a:prstGeom prst="rect">
+            <a:avLst/>
+          </a:prstGeom>
+        </p:spPr>
+        <p:txBody>
+          <a:bodyPr/>
+          <a:lstStyle/>
+          <a:p>
+            <a:pPr/>
+            <a:r>
+              <a:t>Frameworks is where you code as where libraries a code you imported in your coding area</a:t>
+            </a:r>
+          </a:p>
+        </p:txBody>
+      </p:sp>
+    </p:spTree>
+  </p:cSld>
+  <p:clrMapOvr>
+    <a:masterClrMapping/>
+  </p:clrMapOvr>
+  <p:transition xmlns:p14="http://schemas.microsoft.com/office/powerpoint/2010/main" spd="med" advClick="1" p14:dur="1000"/>
+</p:sld>
+</file>
+
+<file path=ppt/slides/slide35.xml><?xml version="1.0" encoding="utf-8"?>
+<p:sld xmlns:a="http://schemas.openxmlformats.org/drawingml/2006/main" xmlns:r="http://schemas.openxmlformats.org/officeDocument/2006/relationships" xmlns:p="http://schemas.openxmlformats.org/presentationml/2006/main" showMasterSp="1" showMasterPhAnim="1">
+  <p:cSld>
+    <p:spTree>
+      <p:nvGrpSpPr>
+        <p:cNvPr id="1" name=""/>
+        <p:cNvGrpSpPr/>
+        <p:nvPr/>
+      </p:nvGrpSpPr>
+      <p:grpSpPr>
+        <a:xfrm>
+          <a:off x="0" y="0"/>
+          <a:ext cx="0" cy="0"/>
+          <a:chOff x="0" y="0"/>
+          <a:chExt cx="0" cy="0"/>
+        </a:xfrm>
+      </p:grpSpPr>
+      <p:sp>
+        <p:nvSpPr>
+          <p:cNvPr id="232" name="Shape 232"/>
+          <p:cNvSpPr/>
+          <p:nvPr>
+            <p:ph type="title"/>
+          </p:nvPr>
+        </p:nvSpPr>
+        <p:spPr>
+          <a:prstGeom prst="rect">
+            <a:avLst/>
+          </a:prstGeom>
+        </p:spPr>
+        <p:txBody>
+          <a:bodyPr/>
+          <a:lstStyle/>
+          <a:p>
+            <a:pPr/>
+            <a:r>
+              <a:t>Codeigniter</a:t>
+            </a:r>
+          </a:p>
+        </p:txBody>
+      </p:sp>
+      <p:sp>
+        <p:nvSpPr>
+          <p:cNvPr id="233" name="Shape 233"/>
+          <p:cNvSpPr/>
+          <p:nvPr>
+            <p:ph type="body" idx="1"/>
+          </p:nvPr>
+        </p:nvSpPr>
+        <p:spPr>
+          <a:prstGeom prst="rect">
+            <a:avLst/>
+          </a:prstGeom>
+        </p:spPr>
+        <p:txBody>
+          <a:bodyPr/>
+          <a:lstStyle/>
+          <a:p>
+            <a:pPr/>
+            <a:r>
+              <a:t>an open-source software rapid development web framework, for use in building dynamic web sites with PHP.</a:t>
+            </a:r>
+          </a:p>
+          <a:p>
+            <a:pPr/>
+            <a:r>
+              <a:t>Developed by: BCIT Recreation Services</a:t>
+            </a:r>
+          </a:p>
+          <a:p>
+            <a:pPr/>
+            <a:r>
+              <a:t>Developer(s): British Columbia Institute of Technology</a:t>
+            </a:r>
+          </a:p>
+          <a:p>
+            <a:pPr/>
+            <a:r>
+              <a:t>Original author: Ellislab</a:t>
+            </a:r>
+          </a:p>
+        </p:txBody>
+      </p:sp>
+    </p:spTree>
+  </p:cSld>
+  <p:clrMapOvr>
+    <a:masterClrMapping/>
+  </p:clrMapOvr>
+  <p:transition xmlns:p14="http://schemas.microsoft.com/office/powerpoint/2010/main" spd="med" advClick="1" p14:dur="1000"/>
+</p:sld>
+</file>
+
+<file path=ppt/slides/slide36.xml><?xml version="1.0" encoding="utf-8"?>
+<p:sld xmlns:a="http://schemas.openxmlformats.org/drawingml/2006/main" xmlns:r="http://schemas.openxmlformats.org/officeDocument/2006/relationships" xmlns:p="http://schemas.openxmlformats.org/presentationml/2006/main" showMasterSp="1" showMasterPhAnim="1">
+  <p:cSld>
+    <p:spTree>
+      <p:nvGrpSpPr>
+        <p:cNvPr id="1" name=""/>
+        <p:cNvGrpSpPr/>
+        <p:nvPr/>
+      </p:nvGrpSpPr>
+      <p:grpSpPr>
+        <a:xfrm>
+          <a:off x="0" y="0"/>
+          <a:ext cx="0" cy="0"/>
+          <a:chOff x="0" y="0"/>
+          <a:chExt cx="0" cy="0"/>
+        </a:xfrm>
+      </p:grpSpPr>
+      <p:sp>
+        <p:nvSpPr>
+          <p:cNvPr id="235" name="Shape 235"/>
+          <p:cNvSpPr/>
+          <p:nvPr>
+            <p:ph type="title"/>
+          </p:nvPr>
+        </p:nvSpPr>
+        <p:spPr>
+          <a:prstGeom prst="rect">
+            <a:avLst/>
+          </a:prstGeom>
+        </p:spPr>
+        <p:txBody>
+          <a:bodyPr/>
+          <a:lstStyle/>
+          <a:p>
+            <a:pPr/>
+            <a:r>
+              <a:t>Pros and Cons of Codeigniter</a:t>
+            </a:r>
+          </a:p>
+        </p:txBody>
+      </p:sp>
+    </p:spTree>
+  </p:cSld>
+  <p:clrMapOvr>
+    <a:masterClrMapping/>
+  </p:clrMapOvr>
+  <p:transition xmlns:p14="http://schemas.microsoft.com/office/powerpoint/2010/main" spd="med" advClick="1" p14:dur="1000"/>
+</p:sld>
+</file>
+
+<file path=ppt/slides/slide37.xml><?xml version="1.0" encoding="utf-8"?>
+<p:sld xmlns:a="http://schemas.openxmlformats.org/drawingml/2006/main" xmlns:r="http://schemas.openxmlformats.org/officeDocument/2006/relationships" xmlns:p="http://schemas.openxmlformats.org/presentationml/2006/main" showMasterSp="1" showMasterPhAnim="1">
+  <p:cSld>
+    <p:spTree>
+      <p:nvGrpSpPr>
+        <p:cNvPr id="1" name=""/>
+        <p:cNvGrpSpPr/>
+        <p:nvPr/>
+      </p:nvGrpSpPr>
+      <p:grpSpPr>
+        <a:xfrm>
+          <a:off x="0" y="0"/>
+          <a:ext cx="0" cy="0"/>
+          <a:chOff x="0" y="0"/>
+          <a:chExt cx="0" cy="0"/>
+        </a:xfrm>
+      </p:grpSpPr>
+      <p:sp>
+        <p:nvSpPr>
+          <p:cNvPr id="237" name="Shape 237"/>
+          <p:cNvSpPr/>
+          <p:nvPr>
+            <p:ph type="title"/>
+          </p:nvPr>
+        </p:nvSpPr>
+        <p:spPr>
+          <a:prstGeom prst="rect">
+            <a:avLst/>
+          </a:prstGeom>
+        </p:spPr>
+        <p:txBody>
+          <a:bodyPr/>
+          <a:lstStyle/>
+          <a:p>
+            <a:pPr/>
+            <a:r>
+              <a:t>Pros</a:t>
+            </a:r>
+          </a:p>
+        </p:txBody>
+      </p:sp>
+      <p:sp>
+        <p:nvSpPr>
+          <p:cNvPr id="238" name="Shape 238"/>
+          <p:cNvSpPr/>
+          <p:nvPr>
+            <p:ph type="body" idx="1"/>
+          </p:nvPr>
+        </p:nvSpPr>
+        <p:spPr>
+          <a:prstGeom prst="rect">
+            <a:avLst/>
+          </a:prstGeom>
+        </p:spPr>
+        <p:txBody>
+          <a:bodyPr/>
+          <a:lstStyle/>
+          <a:p>
+            <a:pPr/>
+            <a:r>
+              <a:t>Has a smaller footprint</a:t>
+            </a:r>
+          </a:p>
+          <a:p>
+            <a:pPr/>
+            <a:r>
+              <a:t>Easy set up options</a:t>
+            </a:r>
+          </a:p>
+          <a:p>
+            <a:pPr/>
+            <a:r>
+              <a:t>Offers Modern Separation Concept</a:t>
+            </a:r>
+          </a:p>
+          <a:p>
+            <a:pPr/>
+            <a:r>
+              <a:t>Supports both Web Page and Database Caching</a:t>
+            </a:r>
+          </a:p>
+          <a:p>
+            <a:pPr/>
+            <a:r>
+              <a:t>Comes with Built-in Security Features</a:t>
+            </a:r>
+          </a:p>
+          <a:p>
+            <a:pPr/>
+            <a:r>
+              <a:t>Easy to Extend and Customize</a:t>
+            </a:r>
+          </a:p>
+        </p:txBody>
+      </p:sp>
+    </p:spTree>
+  </p:cSld>
+  <p:clrMapOvr>
+    <a:masterClrMapping/>
+  </p:clrMapOvr>
+  <p:transition xmlns:p14="http://schemas.microsoft.com/office/powerpoint/2010/main" spd="med" advClick="1" p14:dur="1000"/>
+</p:sld>
+</file>
+
+<file path=ppt/slides/slide38.xml><?xml version="1.0" encoding="utf-8"?>
+<p:sld xmlns:a="http://schemas.openxmlformats.org/drawingml/2006/main" xmlns:r="http://schemas.openxmlformats.org/officeDocument/2006/relationships" xmlns:p="http://schemas.openxmlformats.org/presentationml/2006/main" showMasterSp="1" showMasterPhAnim="1">
+  <p:cSld>
+    <p:spTree>
+      <p:nvGrpSpPr>
+        <p:cNvPr id="1" name=""/>
+        <p:cNvGrpSpPr/>
+        <p:nvPr/>
+      </p:nvGrpSpPr>
+      <p:grpSpPr>
+        <a:xfrm>
+          <a:off x="0" y="0"/>
+          <a:ext cx="0" cy="0"/>
+          <a:chOff x="0" y="0"/>
+          <a:chExt cx="0" cy="0"/>
+        </a:xfrm>
+      </p:grpSpPr>
+      <p:sp>
+        <p:nvSpPr>
+          <p:cNvPr id="240" name="Shape 240"/>
+          <p:cNvSpPr/>
+          <p:nvPr>
+            <p:ph type="title"/>
+          </p:nvPr>
+        </p:nvSpPr>
+        <p:spPr>
+          <a:prstGeom prst="rect">
+            <a:avLst/>
+          </a:prstGeom>
+        </p:spPr>
+        <p:txBody>
+          <a:bodyPr/>
+          <a:lstStyle/>
+          <a:p>
+            <a:pPr/>
+            <a:r>
+              <a:t>Cons</a:t>
+            </a:r>
+          </a:p>
+        </p:txBody>
+      </p:sp>
+      <p:sp>
+        <p:nvSpPr>
+          <p:cNvPr id="241" name="Shape 241"/>
+          <p:cNvSpPr/>
+          <p:nvPr>
+            <p:ph type="body" idx="1"/>
+          </p:nvPr>
+        </p:nvSpPr>
+        <p:spPr>
+          <a:prstGeom prst="rect">
+            <a:avLst/>
+          </a:prstGeom>
+        </p:spPr>
+        <p:txBody>
+          <a:bodyPr/>
+          <a:lstStyle/>
+          <a:p>
+            <a:pPr/>
+            <a:r>
+              <a:t>Does not emphasize on code maintainability</a:t>
+            </a:r>
+          </a:p>
+          <a:p>
+            <a:pPr/>
+            <a:r>
+              <a:t>Lacks Exhaustive Libraries</a:t>
+            </a:r>
+          </a:p>
+          <a:p>
+            <a:pPr lvl="1"/>
+            <a:r>
+              <a:t>Database</a:t>
+            </a:r>
+          </a:p>
+          <a:p>
+            <a:pPr lvl="1"/>
+            <a:r>
+              <a:t>Authentication</a:t>
+            </a:r>
+          </a:p>
+        </p:txBody>
+      </p:sp>
+    </p:spTree>
+  </p:cSld>
+  <p:clrMapOvr>
+    <a:masterClrMapping/>
+  </p:clrMapOvr>
+  <p:transition xmlns:p14="http://schemas.microsoft.com/office/powerpoint/2010/main" spd="med" advClick="1" p14:dur="1000"/>
+</p:sld>
+</file>
+
 <file path=ppt/slides/slide4.xml><?xml version="1.0" encoding="utf-8"?>
 <p:sld xmlns:a="http://schemas.openxmlformats.org/drawingml/2006/main" xmlns:r="http://schemas.openxmlformats.org/officeDocument/2006/relationships" xmlns:p="http://schemas.openxmlformats.org/presentationml/2006/main" showMasterSp="1" showMasterPhAnim="1">
   <p:cSld>
